--- a/Apresentação Power Point.pptx
+++ b/Apresentação Power Point.pptx
@@ -10225,7 +10225,7 @@
           <a:p>
             <a:fld id="{3C2B07E4-CDF9-4C88-A2F3-04620E58224D}" type="datetimeFigureOut">
               <a:rPr lang="en-US" smtClean="0"/>
-              <a:t>9/6/2022</a:t>
+              <a:t>9/12/2022</a:t>
             </a:fld>
             <a:endParaRPr lang="en-US"/>
           </a:p>
@@ -10515,7 +10515,7 @@
           <a:p>
             <a:fld id="{3C2B07E4-CDF9-4C88-A2F3-04620E58224D}" type="datetimeFigureOut">
               <a:rPr lang="en-US" smtClean="0"/>
-              <a:t>9/6/2022</a:t>
+              <a:t>9/12/2022</a:t>
             </a:fld>
             <a:endParaRPr lang="en-US"/>
           </a:p>
@@ -10767,7 +10767,7 @@
           <a:p>
             <a:fld id="{3C2B07E4-CDF9-4C88-A2F3-04620E58224D}" type="datetimeFigureOut">
               <a:rPr lang="en-US" smtClean="0"/>
-              <a:t>9/6/2022</a:t>
+              <a:t>9/12/2022</a:t>
             </a:fld>
             <a:endParaRPr lang="en-US"/>
           </a:p>
@@ -11019,7 +11019,7 @@
           <a:p>
             <a:fld id="{3C2B07E4-CDF9-4C88-A2F3-04620E58224D}" type="datetimeFigureOut">
               <a:rPr lang="en-US" smtClean="0"/>
-              <a:t>9/6/2022</a:t>
+              <a:t>9/12/2022</a:t>
             </a:fld>
             <a:endParaRPr lang="en-US"/>
           </a:p>
@@ -11348,7 +11348,7 @@
           <a:p>
             <a:fld id="{3C2B07E4-CDF9-4C88-A2F3-04620E58224D}" type="datetimeFigureOut">
               <a:rPr lang="en-US" smtClean="0"/>
-              <a:t>9/6/2022</a:t>
+              <a:t>9/12/2022</a:t>
             </a:fld>
             <a:endParaRPr lang="en-US"/>
           </a:p>
@@ -11698,7 +11698,7 @@
           <a:p>
             <a:fld id="{3C2B07E4-CDF9-4C88-A2F3-04620E58224D}" type="datetimeFigureOut">
               <a:rPr lang="en-US" smtClean="0"/>
-              <a:t>9/6/2022</a:t>
+              <a:t>9/12/2022</a:t>
             </a:fld>
             <a:endParaRPr lang="en-US"/>
           </a:p>
@@ -12210,7 +12210,7 @@
           <a:p>
             <a:fld id="{3C2B07E4-CDF9-4C88-A2F3-04620E58224D}" type="datetimeFigureOut">
               <a:rPr lang="en-US" smtClean="0"/>
-              <a:t>9/6/2022</a:t>
+              <a:t>9/12/2022</a:t>
             </a:fld>
             <a:endParaRPr lang="en-US"/>
           </a:p>
@@ -12538,7 +12538,7 @@
           <a:p>
             <a:fld id="{3C2B07E4-CDF9-4C88-A2F3-04620E58224D}" type="datetimeFigureOut">
               <a:rPr lang="en-US" smtClean="0"/>
-              <a:t>9/6/2022</a:t>
+              <a:t>9/12/2022</a:t>
             </a:fld>
             <a:endParaRPr lang="en-US"/>
           </a:p>
@@ -12651,7 +12651,7 @@
           <a:p>
             <a:fld id="{3C2B07E4-CDF9-4C88-A2F3-04620E58224D}" type="datetimeFigureOut">
               <a:rPr lang="en-US" smtClean="0"/>
-              <a:t>9/6/2022</a:t>
+              <a:t>9/12/2022</a:t>
             </a:fld>
             <a:endParaRPr lang="en-US"/>
           </a:p>
@@ -12992,7 +12992,7 @@
           <a:p>
             <a:fld id="{3C2B07E4-CDF9-4C88-A2F3-04620E58224D}" type="datetimeFigureOut">
               <a:rPr lang="en-US" smtClean="0"/>
-              <a:t>9/6/2022</a:t>
+              <a:t>9/12/2022</a:t>
             </a:fld>
             <a:endParaRPr lang="en-US"/>
           </a:p>
@@ -13292,7 +13292,7 @@
           <a:p>
             <a:fld id="{3C2B07E4-CDF9-4C88-A2F3-04620E58224D}" type="datetimeFigureOut">
               <a:rPr lang="en-US" smtClean="0"/>
-              <a:t>9/6/2022</a:t>
+              <a:t>9/12/2022</a:t>
             </a:fld>
             <a:endParaRPr lang="en-US"/>
           </a:p>
@@ -13532,7 +13532,7 @@
             <a:fld id="{3C2B07E4-CDF9-4C88-A2F3-04620E58224D}" type="datetimeFigureOut">
               <a:rPr lang="en-US" smtClean="0"/>
               <a:pPr/>
-              <a:t>9/6/2022</a:t>
+              <a:t>9/12/2022</a:t>
             </a:fld>
             <a:endParaRPr lang="en-US" dirty="0"/>
           </a:p>
@@ -14061,7 +14061,7 @@
         </p:blipFill>
         <p:spPr>
           <a:xfrm>
-            <a:off x="-91440" y="0"/>
+            <a:off x="-81280" y="20320"/>
             <a:ext cx="12283440" cy="6856429"/>
           </a:xfrm>
           <a:prstGeom prst="rect">
